--- a/tests/fixtures/sample.pptx
+++ b/tests/fixtures/sample.pptx
@@ -3095,40 +3095,37 @@
             <a:spLocks noGrp="1"/>
           </p:cNvSpPr>
           <p:nvPr>
-            <p:ph type="title"/>
-          </p:nvPr>
-        </p:nvSpPr>
-        <p:spPr/>
-        <p:txBody>
-          <a:bodyPr/>
-          <a:lstStyle/>
-          <a:p/>
-        </p:txBody>
-      </p:sp>
-      <p:sp>
-        <p:nvSpPr>
-          <p:cNvPr id="3" name="TextBox 2"/>
-          <p:cNvSpPr txBox="1"/>
-          <p:nvPr/>
-        </p:nvSpPr>
-        <p:spPr>
-          <a:xfrm>
-            <a:off x="100" y="100"/>
-            <a:ext cx="500" cy="200"/>
-          </a:xfrm>
-          <a:prstGeom prst="rect">
-            <a:avLst/>
-          </a:prstGeom>
-          <a:noFill/>
-        </p:spPr>
-        <p:txBody>
-          <a:bodyPr wrap="none">
-            <a:spAutoFit/>
-          </a:bodyPr>
-          <a:lstStyle/>
-          <a:p>
-            <a:r>
-              <a:t>Retikon PPTX fixture</a:t>
+            <p:ph type="ctrTitle"/>
+          </p:nvPr>
+        </p:nvSpPr>
+        <p:spPr/>
+        <p:txBody>
+          <a:bodyPr/>
+          <a:lstStyle/>
+          <a:p>
+            <a:r>
+              <a:t>Sample slide</a:t>
+            </a:r>
+          </a:p>
+        </p:txBody>
+      </p:sp>
+      <p:sp>
+        <p:nvSpPr>
+          <p:cNvPr id="3" name="Subtitle 2"/>
+          <p:cNvSpPr>
+            <a:spLocks noGrp="1"/>
+          </p:cNvSpPr>
+          <p:nvPr>
+            <p:ph type="subTitle" idx="1"/>
+          </p:nvPr>
+        </p:nvSpPr>
+        <p:spPr/>
+        <p:txBody>
+          <a:bodyPr/>
+          <a:lstStyle/>
+          <a:p>
+            <a:r>
+              <a:t>This slide has enough words for parsing.</a:t>
             </a:r>
           </a:p>
         </p:txBody>
